--- a/MiYE - Milestone 2 presentation.pptx
+++ b/MiYE - Milestone 2 presentation.pptx
@@ -19,8 +19,8 @@
     <p:sldId id="271" r:id="rId13"/>
     <p:sldId id="272" r:id="rId14"/>
     <p:sldId id="274" r:id="rId15"/>
-    <p:sldId id="275" r:id="rId16"/>
-    <p:sldId id="276" r:id="rId17"/>
+    <p:sldId id="276" r:id="rId16"/>
+    <p:sldId id="275" r:id="rId17"/>
     <p:sldId id="277" r:id="rId18"/>
     <p:sldId id="264" r:id="rId19"/>
     <p:sldId id="265" r:id="rId20"/>
@@ -38759,130 +38759,6 @@
           <p:cNvPr id="2" name="Title 1">
             <a:extLst>
               <a:ext uri="{FF2B5EF4-FFF2-40B4-BE49-F238E27FC236}">
-                <a16:creationId xmlns:a16="http://schemas.microsoft.com/office/drawing/2014/main" id="{DFBAFEB6-3635-4956-A9CF-92AEE7C56772}"/>
-              </a:ext>
-            </a:extLst>
-          </p:cNvPr>
-          <p:cNvSpPr>
-            <a:spLocks noGrp="1"/>
-          </p:cNvSpPr>
-          <p:nvPr>
-            <p:ph type="title"/>
-          </p:nvPr>
-        </p:nvSpPr>
-        <p:spPr/>
-        <p:txBody>
-          <a:bodyPr/>
-          <a:lstStyle/>
-          <a:p>
-            <a:r>
-              <a:rPr lang="en-US" b="1"/>
-              <a:t>Testing</a:t>
-            </a:r>
-            <a:r>
-              <a:rPr lang="en-US"/>
-              <a:t>: From Unit to System</a:t>
-            </a:r>
-          </a:p>
-        </p:txBody>
-      </p:sp>
-      <p:pic>
-        <p:nvPicPr>
-          <p:cNvPr id="5" name="Picture 5" descr="A screenshot of a cell phone&#10;&#10;Description generated with very high confidence">
-            <a:extLst>
-              <a:ext uri="{FF2B5EF4-FFF2-40B4-BE49-F238E27FC236}">
-                <a16:creationId xmlns:a16="http://schemas.microsoft.com/office/drawing/2014/main" id="{E701DA73-9055-4A5F-BA9E-4F39512DEB79}"/>
-              </a:ext>
-            </a:extLst>
-          </p:cNvPr>
-          <p:cNvPicPr>
-            <a:picLocks noGrp="1" noChangeAspect="1"/>
-          </p:cNvPicPr>
-          <p:nvPr>
-            <p:ph sz="half" idx="1"/>
-          </p:nvPr>
-        </p:nvPicPr>
-        <p:blipFill rotWithShape="1">
-          <a:blip r:embed="rId2"/>
-          <a:srcRect l="17989" t="19423" r="38624" b="9603"/>
-          <a:stretch/>
-        </p:blipFill>
-        <p:spPr>
-          <a:xfrm>
-            <a:off x="1280873" y="1804057"/>
-            <a:ext cx="5319940" cy="4719739"/>
-          </a:xfrm>
-          <a:prstGeom prst="rect">
-            <a:avLst/>
-          </a:prstGeom>
-        </p:spPr>
-      </p:pic>
-      <p:pic>
-        <p:nvPicPr>
-          <p:cNvPr id="7" name="Picture 7" descr="A screenshot of a cell phone&#10;&#10;Description generated with very high confidence">
-            <a:extLst>
-              <a:ext uri="{FF2B5EF4-FFF2-40B4-BE49-F238E27FC236}">
-                <a16:creationId xmlns:a16="http://schemas.microsoft.com/office/drawing/2014/main" id="{8CF65999-33E2-4EFD-860B-FA0C99597EE4}"/>
-              </a:ext>
-            </a:extLst>
-          </p:cNvPr>
-          <p:cNvPicPr>
-            <a:picLocks noGrp="1" noChangeAspect="1"/>
-          </p:cNvPicPr>
-          <p:nvPr>
-            <p:ph sz="half" idx="2"/>
-          </p:nvPr>
-        </p:nvPicPr>
-        <p:blipFill rotWithShape="1">
-          <a:blip r:embed="rId3"/>
-          <a:srcRect l="16333" t="16250" r="37667" b="10000"/>
-          <a:stretch/>
-        </p:blipFill>
-        <p:spPr>
-          <a:xfrm>
-            <a:off x="6471880" y="1801586"/>
-            <a:ext cx="5535590" cy="4729167"/>
-          </a:xfrm>
-          <a:prstGeom prst="rect">
-            <a:avLst/>
-          </a:prstGeom>
-        </p:spPr>
-      </p:pic>
-    </p:spTree>
-    <p:extLst>
-      <p:ext uri="{BB962C8B-B14F-4D97-AF65-F5344CB8AC3E}">
-        <p14:creationId xmlns:p14="http://schemas.microsoft.com/office/powerpoint/2010/main" val="872477180"/>
-      </p:ext>
-    </p:extLst>
-  </p:cSld>
-  <p:clrMapOvr>
-    <a:masterClrMapping/>
-  </p:clrMapOvr>
-</p:sld>
-</file>
-
-<file path=ppt/slides/slide16.xml><?xml version="1.0" encoding="utf-8"?>
-<p:sld xmlns:a="http://schemas.openxmlformats.org/drawingml/2006/main" xmlns:r="http://schemas.openxmlformats.org/officeDocument/2006/relationships" xmlns:p="http://schemas.openxmlformats.org/presentationml/2006/main">
-  <p:cSld>
-    <p:spTree>
-      <p:nvGrpSpPr>
-        <p:cNvPr id="1" name=""/>
-        <p:cNvGrpSpPr/>
-        <p:nvPr/>
-      </p:nvGrpSpPr>
-      <p:grpSpPr>
-        <a:xfrm>
-          <a:off x="0" y="0"/>
-          <a:ext cx="0" cy="0"/>
-          <a:chOff x="0" y="0"/>
-          <a:chExt cx="0" cy="0"/>
-        </a:xfrm>
-      </p:grpSpPr>
-      <p:sp>
-        <p:nvSpPr>
-          <p:cNvPr id="2" name="Title 1">
-            <a:extLst>
-              <a:ext uri="{FF2B5EF4-FFF2-40B4-BE49-F238E27FC236}">
                 <a16:creationId xmlns:a16="http://schemas.microsoft.com/office/drawing/2014/main" id="{7AB5B36C-A10B-4F02-9E5C-E9766B1C8524}"/>
               </a:ext>
             </a:extLst>
@@ -38980,8 +38856,8 @@
         </p:blipFill>
         <p:spPr>
           <a:xfrm>
-            <a:off x="2060574" y="2043114"/>
-            <a:ext cx="9569451" cy="4814886"/>
+            <a:off x="2060575" y="2043114"/>
+            <a:ext cx="9444037" cy="4751783"/>
           </a:xfrm>
           <a:prstGeom prst="rect">
             <a:avLst/>
@@ -38992,6 +38868,103 @@
     <p:extLst>
       <p:ext uri="{BB962C8B-B14F-4D97-AF65-F5344CB8AC3E}">
         <p14:creationId xmlns:p14="http://schemas.microsoft.com/office/powerpoint/2010/main" val="2643273376"/>
+      </p:ext>
+    </p:extLst>
+  </p:cSld>
+  <p:clrMapOvr>
+    <a:masterClrMapping/>
+  </p:clrMapOvr>
+</p:sld>
+</file>
+
+<file path=ppt/slides/slide16.xml><?xml version="1.0" encoding="utf-8"?>
+<p:sld xmlns:a="http://schemas.openxmlformats.org/drawingml/2006/main" xmlns:r="http://schemas.openxmlformats.org/officeDocument/2006/relationships" xmlns:p="http://schemas.openxmlformats.org/presentationml/2006/main">
+  <p:cSld>
+    <p:spTree>
+      <p:nvGrpSpPr>
+        <p:cNvPr id="1" name=""/>
+        <p:cNvGrpSpPr/>
+        <p:nvPr/>
+      </p:nvGrpSpPr>
+      <p:grpSpPr>
+        <a:xfrm>
+          <a:off x="0" y="0"/>
+          <a:ext cx="0" cy="0"/>
+          <a:chOff x="0" y="0"/>
+          <a:chExt cx="0" cy="0"/>
+        </a:xfrm>
+      </p:grpSpPr>
+      <p:sp>
+        <p:nvSpPr>
+          <p:cNvPr id="2" name="Title 1">
+            <a:extLst>
+              <a:ext uri="{FF2B5EF4-FFF2-40B4-BE49-F238E27FC236}">
+                <a16:creationId xmlns:a16="http://schemas.microsoft.com/office/drawing/2014/main" id="{DFBAFEB6-3635-4956-A9CF-92AEE7C56772}"/>
+              </a:ext>
+            </a:extLst>
+          </p:cNvPr>
+          <p:cNvSpPr>
+            <a:spLocks noGrp="1"/>
+          </p:cNvSpPr>
+          <p:nvPr>
+            <p:ph type="title"/>
+          </p:nvPr>
+        </p:nvSpPr>
+        <p:spPr>
+          <a:xfrm>
+            <a:off x="2592924" y="624110"/>
+            <a:ext cx="8911687" cy="1280890"/>
+          </a:xfrm>
+        </p:spPr>
+        <p:txBody>
+          <a:bodyPr/>
+          <a:lstStyle/>
+          <a:p>
+            <a:r>
+              <a:rPr lang="en-US" b="1" dirty="0"/>
+              <a:t>Testing</a:t>
+            </a:r>
+            <a:r>
+              <a:rPr lang="en-US" dirty="0"/>
+              <a:t>: From Unit to Feature</a:t>
+            </a:r>
+          </a:p>
+        </p:txBody>
+      </p:sp>
+      <p:pic>
+        <p:nvPicPr>
+          <p:cNvPr id="11" name="Picture 10" descr="A screenshot of a computer&#10;&#10;Description automatically generated">
+            <a:extLst>
+              <a:ext uri="{FF2B5EF4-FFF2-40B4-BE49-F238E27FC236}">
+                <a16:creationId xmlns:a16="http://schemas.microsoft.com/office/drawing/2014/main" id="{ED145273-3C15-F046-A114-F01D416F5FA4}"/>
+              </a:ext>
+            </a:extLst>
+          </p:cNvPr>
+          <p:cNvPicPr>
+            <a:picLocks noChangeAspect="1"/>
+          </p:cNvPicPr>
+          <p:nvPr/>
+        </p:nvPicPr>
+        <p:blipFill>
+          <a:blip r:embed="rId2"/>
+          <a:stretch>
+            <a:fillRect/>
+          </a:stretch>
+        </p:blipFill>
+        <p:spPr>
+          <a:xfrm>
+            <a:off x="2592923" y="1766170"/>
+            <a:ext cx="9252235" cy="4467720"/>
+          </a:xfrm>
+          <a:prstGeom prst="rect">
+            <a:avLst/>
+          </a:prstGeom>
+        </p:spPr>
+      </p:pic>
+    </p:spTree>
+    <p:extLst>
+      <p:ext uri="{BB962C8B-B14F-4D97-AF65-F5344CB8AC3E}">
+        <p14:creationId xmlns:p14="http://schemas.microsoft.com/office/powerpoint/2010/main" val="872477180"/>
       </p:ext>
     </p:extLst>
   </p:cSld>
@@ -42765,77 +42738,88 @@
         </p:spPr>
         <p:txBody>
           <a:bodyPr vert="horz" lIns="91440" tIns="45720" rIns="91440" bIns="45720" rtlCol="0" anchor="t">
-            <a:normAutofit lnSpcReduction="10000"/>
+            <a:normAutofit fontScale="92500" lnSpcReduction="10000"/>
           </a:bodyPr>
           <a:lstStyle/>
           <a:p>
             <a:r>
-              <a:rPr lang="en-US" sz="2400"/>
+              <a:rPr lang="en-US" sz="2400" dirty="0"/>
               <a:t>Language: Python 3</a:t>
             </a:r>
           </a:p>
           <a:p>
             <a:r>
-              <a:rPr lang="en-US" sz="2400"/>
+              <a:rPr lang="en-US" sz="2400" dirty="0"/>
               <a:t>Framework: Django</a:t>
             </a:r>
           </a:p>
           <a:p>
             <a:r>
-              <a:rPr lang="en-US" sz="2400"/>
+              <a:rPr lang="en-US" sz="2400" dirty="0"/>
               <a:t>Frontend: </a:t>
             </a:r>
             <a:r>
-              <a:rPr lang="en-US" sz="2400" err="1"/>
+              <a:rPr lang="en-US" sz="2400" dirty="0" err="1"/>
               <a:t>jquery</a:t>
             </a:r>
             <a:r>
-              <a:rPr lang="en-US" sz="2400"/>
+              <a:rPr lang="en-US" sz="2400" dirty="0"/>
               <a:t>/html/ES6</a:t>
             </a:r>
           </a:p>
           <a:p>
             <a:r>
-              <a:rPr lang="en-US" sz="2400"/>
+              <a:rPr lang="en-US" sz="2400" dirty="0"/>
               <a:t>Database: SQLite 3</a:t>
             </a:r>
           </a:p>
           <a:p>
-            <a:endParaRPr lang="en-US" sz="2400"/>
+            <a:r>
+              <a:rPr lang="en-US" sz="2400" dirty="0"/>
+              <a:t>Test framework: </a:t>
+            </a:r>
+            <a:r>
+              <a:rPr lang="en-US" sz="2400" dirty="0" err="1"/>
+              <a:t>pytest</a:t>
+            </a:r>
+            <a:endParaRPr lang="en-US" sz="2400" dirty="0"/>
+          </a:p>
+          <a:p>
+            <a:endParaRPr lang="en-US" sz="2400" dirty="0"/>
           </a:p>
           <a:p>
             <a:r>
-              <a:rPr lang="en-US" sz="2400"/>
+              <a:rPr lang="en-US" sz="2400" dirty="0"/>
               <a:t>GitHub</a:t>
             </a:r>
           </a:p>
           <a:p>
             <a:r>
-              <a:rPr lang="en-US" sz="2400"/>
+              <a:rPr lang="en-US" sz="2400" dirty="0"/>
               <a:t>Slack</a:t>
             </a:r>
           </a:p>
           <a:p>
             <a:r>
-              <a:rPr lang="en-US" sz="2400"/>
+              <a:rPr lang="en-US" sz="2400" dirty="0"/>
               <a:t>Trello</a:t>
             </a:r>
-            <a:endParaRPr lang="en-US"/>
+            <a:endParaRPr lang="en-US" dirty="0"/>
           </a:p>
           <a:p>
             <a:r>
-              <a:rPr lang="en-US" sz="2400"/>
+              <a:rPr lang="en-US" sz="2400" dirty="0"/>
               <a:t>Zoom</a:t>
             </a:r>
           </a:p>
           <a:p>
             <a:r>
-              <a:rPr lang="en-US" sz="2400"/>
+              <a:rPr lang="en-US" sz="2400" dirty="0"/>
               <a:t>OneDrive</a:t>
             </a:r>
           </a:p>
           <a:p>
-            <a:endParaRPr lang="en-US"/>
+            <a:endParaRPr lang="en-US" dirty="0"/>
           </a:p>
         </p:txBody>
       </p:sp>
